--- a/Artwork/UX Diagram.pptx
+++ b/Artwork/UX Diagram.pptx
@@ -241,7 +241,7 @@
           <a:p>
             <a:fld id="{AFCDA836-BC54-4DC6-ACD1-E4758CABC241}" type="datetimeFigureOut">
               <a:rPr lang="en-US" smtClean="0"/>
-              <a:t>7/20/2016</a:t>
+              <a:t>7/23/2016</a:t>
             </a:fld>
             <a:endParaRPr lang="en-US"/>
           </a:p>
@@ -409,7 +409,7 @@
           <a:p>
             <a:fld id="{AFCDA836-BC54-4DC6-ACD1-E4758CABC241}" type="datetimeFigureOut">
               <a:rPr lang="en-US" smtClean="0"/>
-              <a:t>7/20/2016</a:t>
+              <a:t>7/23/2016</a:t>
             </a:fld>
             <a:endParaRPr lang="en-US"/>
           </a:p>
@@ -587,7 +587,7 @@
           <a:p>
             <a:fld id="{AFCDA836-BC54-4DC6-ACD1-E4758CABC241}" type="datetimeFigureOut">
               <a:rPr lang="en-US" smtClean="0"/>
-              <a:t>7/20/2016</a:t>
+              <a:t>7/23/2016</a:t>
             </a:fld>
             <a:endParaRPr lang="en-US"/>
           </a:p>
@@ -755,7 +755,7 @@
           <a:p>
             <a:fld id="{AFCDA836-BC54-4DC6-ACD1-E4758CABC241}" type="datetimeFigureOut">
               <a:rPr lang="en-US" smtClean="0"/>
-              <a:t>7/20/2016</a:t>
+              <a:t>7/23/2016</a:t>
             </a:fld>
             <a:endParaRPr lang="en-US"/>
           </a:p>
@@ -1000,7 +1000,7 @@
           <a:p>
             <a:fld id="{AFCDA836-BC54-4DC6-ACD1-E4758CABC241}" type="datetimeFigureOut">
               <a:rPr lang="en-US" smtClean="0"/>
-              <a:t>7/20/2016</a:t>
+              <a:t>7/23/2016</a:t>
             </a:fld>
             <a:endParaRPr lang="en-US"/>
           </a:p>
@@ -1229,7 +1229,7 @@
           <a:p>
             <a:fld id="{AFCDA836-BC54-4DC6-ACD1-E4758CABC241}" type="datetimeFigureOut">
               <a:rPr lang="en-US" smtClean="0"/>
-              <a:t>7/20/2016</a:t>
+              <a:t>7/23/2016</a:t>
             </a:fld>
             <a:endParaRPr lang="en-US"/>
           </a:p>
@@ -1593,7 +1593,7 @@
           <a:p>
             <a:fld id="{AFCDA836-BC54-4DC6-ACD1-E4758CABC241}" type="datetimeFigureOut">
               <a:rPr lang="en-US" smtClean="0"/>
-              <a:t>7/20/2016</a:t>
+              <a:t>7/23/2016</a:t>
             </a:fld>
             <a:endParaRPr lang="en-US"/>
           </a:p>
@@ -1710,7 +1710,7 @@
           <a:p>
             <a:fld id="{AFCDA836-BC54-4DC6-ACD1-E4758CABC241}" type="datetimeFigureOut">
               <a:rPr lang="en-US" smtClean="0"/>
-              <a:t>7/20/2016</a:t>
+              <a:t>7/23/2016</a:t>
             </a:fld>
             <a:endParaRPr lang="en-US"/>
           </a:p>
@@ -1805,7 +1805,7 @@
           <a:p>
             <a:fld id="{AFCDA836-BC54-4DC6-ACD1-E4758CABC241}" type="datetimeFigureOut">
               <a:rPr lang="en-US" smtClean="0"/>
-              <a:t>7/20/2016</a:t>
+              <a:t>7/23/2016</a:t>
             </a:fld>
             <a:endParaRPr lang="en-US"/>
           </a:p>
@@ -2080,7 +2080,7 @@
           <a:p>
             <a:fld id="{AFCDA836-BC54-4DC6-ACD1-E4758CABC241}" type="datetimeFigureOut">
               <a:rPr lang="en-US" smtClean="0"/>
-              <a:t>7/20/2016</a:t>
+              <a:t>7/23/2016</a:t>
             </a:fld>
             <a:endParaRPr lang="en-US"/>
           </a:p>
@@ -2332,7 +2332,7 @@
           <a:p>
             <a:fld id="{AFCDA836-BC54-4DC6-ACD1-E4758CABC241}" type="datetimeFigureOut">
               <a:rPr lang="en-US" smtClean="0"/>
-              <a:t>7/20/2016</a:t>
+              <a:t>7/23/2016</a:t>
             </a:fld>
             <a:endParaRPr lang="en-US"/>
           </a:p>
@@ -2543,7 +2543,7 @@
           <a:p>
             <a:fld id="{AFCDA836-BC54-4DC6-ACD1-E4758CABC241}" type="datetimeFigureOut">
               <a:rPr lang="en-US" smtClean="0"/>
-              <a:t>7/20/2016</a:t>
+              <a:t>7/23/2016</a:t>
             </a:fld>
             <a:endParaRPr lang="en-US"/>
           </a:p>
@@ -2950,7 +2950,7 @@
       </p:grpSpPr>
       <p:pic>
         <p:nvPicPr>
-          <p:cNvPr id="81" name="Picture 80"/>
+          <p:cNvPr id="2" name="Picture 1"/>
           <p:cNvPicPr>
             <a:picLocks noChangeAspect="1"/>
           </p:cNvPicPr>
@@ -2970,8 +2970,8 @@
         </p:blipFill>
         <p:spPr>
           <a:xfrm>
-            <a:off x="7713351" y="3372674"/>
-            <a:ext cx="4748719" cy="4748719"/>
+            <a:off x="7804818" y="3469915"/>
+            <a:ext cx="4351521" cy="4351521"/>
           </a:xfrm>
           <a:prstGeom prst="rect">
             <a:avLst/>
@@ -3356,12 +3356,12 @@
         </p:nvCxnSpPr>
         <p:spPr>
           <a:xfrm rot="5400000" flipH="1" flipV="1">
-            <a:off x="9762300" y="2895012"/>
-            <a:ext cx="3848397" cy="703764"/>
+            <a:off x="9649946" y="2798707"/>
+            <a:ext cx="3864446" cy="912424"/>
           </a:xfrm>
           <a:prstGeom prst="bentConnector3">
             <a:avLst>
-              <a:gd name="adj1" fmla="val 840"/>
+              <a:gd name="adj1" fmla="val 1386"/>
             </a:avLst>
           </a:prstGeom>
           <a:ln w="76200">
@@ -3807,12 +3807,12 @@
         </p:nvCxnSpPr>
         <p:spPr>
           <a:xfrm rot="16200000" flipH="1">
-            <a:off x="10344092" y="5196790"/>
-            <a:ext cx="1404378" cy="404750"/>
+            <a:off x="10301849" y="5154547"/>
+            <a:ext cx="1330670" cy="562944"/>
           </a:xfrm>
           <a:prstGeom prst="bentConnector3">
             <a:avLst>
-              <a:gd name="adj1" fmla="val 50000"/>
+              <a:gd name="adj1" fmla="val 74988"/>
             </a:avLst>
           </a:prstGeom>
           <a:ln w="76200">
@@ -4111,8 +4111,8 @@
         </p:nvCxnSpPr>
         <p:spPr>
           <a:xfrm rot="16200000" flipV="1">
-            <a:off x="10582627" y="3363419"/>
-            <a:ext cx="1023122" cy="441596"/>
+            <a:off x="10531152" y="3414895"/>
+            <a:ext cx="1126075" cy="441598"/>
           </a:xfrm>
           <a:prstGeom prst="bentConnector2">
             <a:avLst/>
